--- a/設計/データベース/概念データモデル.pptx
+++ b/設計/データベース/概念データモデル.pptx
@@ -3627,7 +3627,7 @@
           <p:nvPr>
             <p:extLst>
               <p:ext uri="{D42A27DB-BD31-4B8C-83A1-F6EECF244321}">
-                <p14:modId xmlns:p14="http://schemas.microsoft.com/office/powerpoint/2010/main" val="3434912619"/>
+                <p14:modId xmlns:p14="http://schemas.microsoft.com/office/powerpoint/2010/main" val="2784557558"/>
               </p:ext>
             </p:extLst>
           </p:nvPr>
@@ -3666,7 +3666,7 @@
                           <a:latin typeface="ＭＳ ゴシック" panose="020B0609070205080204" pitchFamily="49" charset="-128"/>
                           <a:ea typeface="ＭＳ ゴシック" panose="020B0609070205080204" pitchFamily="49" charset="-128"/>
                         </a:rPr>
-                        <a:t>画像</a:t>
+                        <a:t>投稿画像</a:t>
                       </a:r>
                       <a:endParaRPr kumimoji="1" lang="en-US" altLang="ja-JP" sz="2000" b="0" dirty="0">
                         <a:solidFill>
@@ -4860,7 +4860,7 @@
           <p:nvPr>
             <p:extLst>
               <p:ext uri="{D42A27DB-BD31-4B8C-83A1-F6EECF244321}">
-                <p14:modId xmlns:p14="http://schemas.microsoft.com/office/powerpoint/2010/main" val="3620465555"/>
+                <p14:modId xmlns:p14="http://schemas.microsoft.com/office/powerpoint/2010/main" val="2853769219"/>
               </p:ext>
             </p:extLst>
           </p:nvPr>
@@ -4899,7 +4899,7 @@
                           <a:latin typeface="ＭＳ ゴシック" panose="020B0609070205080204" pitchFamily="49" charset="-128"/>
                           <a:ea typeface="ＭＳ ゴシック" panose="020B0609070205080204" pitchFamily="49" charset="-128"/>
                         </a:rPr>
-                        <a:t>テキスト</a:t>
+                        <a:t>投稿テキスト</a:t>
                       </a:r>
                       <a:endParaRPr kumimoji="1" lang="en-US" altLang="ja-JP" sz="2000" b="0" dirty="0">
                         <a:solidFill>
@@ -5376,45 +5376,6 @@
           </a:graphicData>
         </a:graphic>
       </p:graphicFrame>
-      <p:cxnSp>
-        <p:nvCxnSpPr>
-          <p:cNvPr id="8" name="直線コネクタ 7">
-            <a:extLst>
-              <a:ext uri="{FF2B5EF4-FFF2-40B4-BE49-F238E27FC236}">
-                <a16:creationId xmlns:a16="http://schemas.microsoft.com/office/drawing/2014/main" id="{5783F924-FC38-3147-31A0-8AEC1E34CA6A}"/>
-              </a:ext>
-            </a:extLst>
-          </p:cNvPr>
-          <p:cNvCxnSpPr>
-            <a:cxnSpLocks/>
-          </p:cNvCxnSpPr>
-          <p:nvPr/>
-        </p:nvCxnSpPr>
-        <p:spPr>
-          <a:xfrm flipH="1">
-            <a:off x="2212879" y="7064826"/>
-            <a:ext cx="1894" cy="2020553"/>
-          </a:xfrm>
-          <a:prstGeom prst="line">
-            <a:avLst/>
-          </a:prstGeom>
-          <a:ln w="38100"/>
-        </p:spPr>
-        <p:style>
-          <a:lnRef idx="1">
-            <a:schemeClr val="dk1"/>
-          </a:lnRef>
-          <a:fillRef idx="0">
-            <a:schemeClr val="dk1"/>
-          </a:fillRef>
-          <a:effectRef idx="0">
-            <a:schemeClr val="dk1"/>
-          </a:effectRef>
-          <a:fontRef idx="minor">
-            <a:schemeClr val="tx1"/>
-          </a:fontRef>
-        </p:style>
-      </p:cxnSp>
       <p:cxnSp>
         <p:nvCxnSpPr>
           <p:cNvPr id="16" name="直線矢印コネクタ 15">
@@ -5455,46 +5416,6 @@
           </a:fillRef>
           <a:effectRef idx="0">
             <a:schemeClr val="accent1"/>
-          </a:effectRef>
-          <a:fontRef idx="minor">
-            <a:schemeClr val="tx1"/>
-          </a:fontRef>
-        </p:style>
-      </p:cxnSp>
-      <p:cxnSp>
-        <p:nvCxnSpPr>
-          <p:cNvPr id="27" name="直線コネクタ 26">
-            <a:extLst>
-              <a:ext uri="{FF2B5EF4-FFF2-40B4-BE49-F238E27FC236}">
-                <a16:creationId xmlns:a16="http://schemas.microsoft.com/office/drawing/2014/main" id="{AD8184FF-8EF4-64E7-74B9-8C5E94FFE0AE}"/>
-              </a:ext>
-            </a:extLst>
-          </p:cNvPr>
-          <p:cNvCxnSpPr>
-            <a:cxnSpLocks/>
-            <a:stCxn id="9" idx="1"/>
-          </p:cNvCxnSpPr>
-          <p:nvPr/>
-        </p:nvCxnSpPr>
-        <p:spPr>
-          <a:xfrm flipH="1">
-            <a:off x="2212879" y="9085379"/>
-            <a:ext cx="1933050" cy="0"/>
-          </a:xfrm>
-          <a:prstGeom prst="line">
-            <a:avLst/>
-          </a:prstGeom>
-          <a:ln w="38100"/>
-        </p:spPr>
-        <p:style>
-          <a:lnRef idx="1">
-            <a:schemeClr val="dk1"/>
-          </a:lnRef>
-          <a:fillRef idx="0">
-            <a:schemeClr val="dk1"/>
-          </a:fillRef>
-          <a:effectRef idx="0">
-            <a:schemeClr val="dk1"/>
           </a:effectRef>
           <a:fontRef idx="minor">
             <a:schemeClr val="tx1"/>
@@ -5776,24 +5697,558 @@
           </a:fontRef>
         </p:style>
       </p:cxnSp>
+      <p:graphicFrame>
+        <p:nvGraphicFramePr>
+          <p:cNvPr id="17" name="表 16">
+            <a:extLst>
+              <a:ext uri="{FF2B5EF4-FFF2-40B4-BE49-F238E27FC236}">
+                <a16:creationId xmlns:a16="http://schemas.microsoft.com/office/drawing/2014/main" id="{09434577-F978-2BB3-986C-E30E62E63ACD}"/>
+              </a:ext>
+            </a:extLst>
+          </p:cNvPr>
+          <p:cNvGraphicFramePr>
+            <a:graphicFrameLocks noGrp="1"/>
+          </p:cNvGraphicFramePr>
+          <p:nvPr>
+            <p:extLst>
+              <p:ext uri="{D42A27DB-BD31-4B8C-83A1-F6EECF244321}">
+                <p14:modId xmlns:p14="http://schemas.microsoft.com/office/powerpoint/2010/main" val="174508188"/>
+              </p:ext>
+            </p:extLst>
+          </p:nvPr>
+        </p:nvGraphicFramePr>
+        <p:xfrm>
+          <a:off x="332591" y="1368844"/>
+          <a:ext cx="2660606" cy="1402080"/>
+        </p:xfrm>
+        <a:graphic>
+          <a:graphicData uri="http://schemas.openxmlformats.org/drawingml/2006/table">
+            <a:tbl>
+              <a:tblPr firstRow="1" bandRow="1">
+                <a:tableStyleId>{5C22544A-7EE6-4342-B048-85BDC9FD1C3A}</a:tableStyleId>
+              </a:tblPr>
+              <a:tblGrid>
+                <a:gridCol w="2660606">
+                  <a:extLst>
+                    <a:ext uri="{9D8B030D-6E8A-4147-A177-3AD203B41FA5}">
+                      <a16:colId xmlns:a16="http://schemas.microsoft.com/office/drawing/2014/main" val="20000"/>
+                    </a:ext>
+                  </a:extLst>
+                </a:gridCol>
+              </a:tblGrid>
+              <a:tr h="0">
+                <a:tc>
+                  <a:txBody>
+                    <a:bodyPr/>
+                    <a:lstStyle/>
+                    <a:p>
+                      <a:pPr algn="ctr"/>
+                      <a:r>
+                        <a:rPr kumimoji="1" lang="ja-JP" altLang="en-US" sz="2000" b="0" dirty="0">
+                          <a:solidFill>
+                            <a:schemeClr val="tx1"/>
+                          </a:solidFill>
+                          <a:latin typeface="ＭＳ ゴシック" panose="020B0609070205080204" pitchFamily="49" charset="-128"/>
+                          <a:ea typeface="ＭＳ ゴシック" panose="020B0609070205080204" pitchFamily="49" charset="-128"/>
+                        </a:rPr>
+                        <a:t>プロフ画像</a:t>
+                      </a:r>
+                      <a:endParaRPr kumimoji="1" lang="en-US" altLang="ja-JP" sz="2000" b="0" dirty="0">
+                        <a:solidFill>
+                          <a:schemeClr val="tx1"/>
+                        </a:solidFill>
+                        <a:latin typeface="ＭＳ ゴシック" panose="020B0609070205080204" pitchFamily="49" charset="-128"/>
+                        <a:ea typeface="ＭＳ ゴシック" panose="020B0609070205080204" pitchFamily="49" charset="-128"/>
+                      </a:endParaRPr>
+                    </a:p>
+                  </a:txBody>
+                  <a:tcPr>
+                    <a:lnL w="12700" cap="flat" cmpd="sng" algn="ctr">
+                      <a:solidFill>
+                        <a:schemeClr val="tx1"/>
+                      </a:solidFill>
+                      <a:prstDash val="solid"/>
+                      <a:round/>
+                      <a:headEnd type="none" w="med" len="med"/>
+                      <a:tailEnd type="none" w="med" len="med"/>
+                    </a:lnL>
+                    <a:lnR w="12700" cap="flat" cmpd="sng" algn="ctr">
+                      <a:solidFill>
+                        <a:schemeClr val="tx1"/>
+                      </a:solidFill>
+                      <a:prstDash val="solid"/>
+                      <a:round/>
+                      <a:headEnd type="none" w="med" len="med"/>
+                      <a:tailEnd type="none" w="med" len="med"/>
+                    </a:lnR>
+                    <a:lnT w="12700" cap="flat" cmpd="sng" algn="ctr">
+                      <a:solidFill>
+                        <a:schemeClr val="tx1"/>
+                      </a:solidFill>
+                      <a:prstDash val="solid"/>
+                      <a:round/>
+                      <a:headEnd type="none" w="med" len="med"/>
+                      <a:tailEnd type="none" w="med" len="med"/>
+                    </a:lnT>
+                    <a:lnB w="12700" cap="flat" cmpd="sng" algn="ctr">
+                      <a:solidFill>
+                        <a:schemeClr val="tx1"/>
+                      </a:solidFill>
+                      <a:prstDash val="solid"/>
+                      <a:round/>
+                      <a:headEnd type="none" w="med" len="med"/>
+                      <a:tailEnd type="none" w="med" len="med"/>
+                    </a:lnB>
+                    <a:solidFill>
+                      <a:schemeClr val="accent5">
+                        <a:lumMod val="40000"/>
+                        <a:lumOff val="60000"/>
+                      </a:schemeClr>
+                    </a:solidFill>
+                  </a:tcPr>
+                </a:tc>
+                <a:extLst>
+                  <a:ext uri="{0D108BD9-81ED-4DB2-BD59-A6C34878D82A}">
+                    <a16:rowId xmlns:a16="http://schemas.microsoft.com/office/drawing/2014/main" val="10000"/>
+                  </a:ext>
+                </a:extLst>
+              </a:tr>
+              <a:tr h="637805">
+                <a:tc>
+                  <a:txBody>
+                    <a:bodyPr/>
+                    <a:lstStyle/>
+                    <a:p>
+                      <a:r>
+                        <a:rPr lang="en-US" altLang="ja-JP" sz="2000" dirty="0">
+                          <a:effectLst/>
+                          <a:latin typeface="ＭＳ ゴシック" panose="020B0609070205080204" pitchFamily="49" charset="-128"/>
+                          <a:ea typeface="ＭＳ ゴシック" panose="020B0609070205080204" pitchFamily="49" charset="-128"/>
+                        </a:rPr>
+                        <a:t>#*</a:t>
+                      </a:r>
+                      <a:r>
+                        <a:rPr lang="ja-JP" altLang="en-US" sz="2000" dirty="0">
+                          <a:effectLst/>
+                          <a:latin typeface="ＭＳ ゴシック" panose="020B0609070205080204" pitchFamily="49" charset="-128"/>
+                          <a:ea typeface="ＭＳ ゴシック" panose="020B0609070205080204" pitchFamily="49" charset="-128"/>
+                        </a:rPr>
+                        <a:t> 画像</a:t>
+                      </a:r>
+                      <a:r>
+                        <a:rPr lang="en-US" altLang="ja-JP" sz="2000" dirty="0">
+                          <a:effectLst/>
+                          <a:latin typeface="ＭＳ ゴシック" panose="020B0609070205080204" pitchFamily="49" charset="-128"/>
+                          <a:ea typeface="ＭＳ ゴシック" panose="020B0609070205080204" pitchFamily="49" charset="-128"/>
+                        </a:rPr>
+                        <a:t>ID(PK)</a:t>
+                      </a:r>
+                      <a:br>
+                        <a:rPr lang="ja-JP" altLang="en-US" sz="2000" dirty="0">
+                          <a:effectLst/>
+                          <a:latin typeface="ＭＳ ゴシック" panose="020B0609070205080204" pitchFamily="49" charset="-128"/>
+                          <a:ea typeface="ＭＳ ゴシック" panose="020B0609070205080204" pitchFamily="49" charset="-128"/>
+                        </a:rPr>
+                      </a:br>
+                      <a:r>
+                        <a:rPr lang="ja-JP" altLang="en-US" sz="2000" dirty="0">
+                          <a:effectLst/>
+                          <a:latin typeface="ＭＳ ゴシック" panose="020B0609070205080204" pitchFamily="49" charset="-128"/>
+                          <a:ea typeface="ＭＳ ゴシック" panose="020B0609070205080204" pitchFamily="49" charset="-128"/>
+                        </a:rPr>
+                        <a:t> </a:t>
+                      </a:r>
+                      <a:r>
+                        <a:rPr lang="en-US" altLang="ja-JP" sz="2000" dirty="0">
+                          <a:effectLst/>
+                          <a:latin typeface="ＭＳ ゴシック" panose="020B0609070205080204" pitchFamily="49" charset="-128"/>
+                          <a:ea typeface="ＭＳ ゴシック" panose="020B0609070205080204" pitchFamily="49" charset="-128"/>
+                        </a:rPr>
+                        <a:t>*</a:t>
+                      </a:r>
+                      <a:r>
+                        <a:rPr lang="ja-JP" altLang="en-US" sz="2000" dirty="0">
+                          <a:effectLst/>
+                          <a:latin typeface="ＭＳ ゴシック" panose="020B0609070205080204" pitchFamily="49" charset="-128"/>
+                          <a:ea typeface="ＭＳ ゴシック" panose="020B0609070205080204" pitchFamily="49" charset="-128"/>
+                        </a:rPr>
+                        <a:t> 表示順序</a:t>
+                      </a:r>
+                      <a:endParaRPr lang="en-US" altLang="ja-JP" sz="2000" dirty="0">
+                        <a:effectLst/>
+                        <a:latin typeface="ＭＳ ゴシック" panose="020B0609070205080204" pitchFamily="49" charset="-128"/>
+                        <a:ea typeface="ＭＳ ゴシック" panose="020B0609070205080204" pitchFamily="49" charset="-128"/>
+                      </a:endParaRPr>
+                    </a:p>
+                    <a:p>
+                      <a:r>
+                        <a:rPr kumimoji="1" lang="ja-JP" altLang="en-US" sz="2000" b="0" dirty="0">
+                          <a:effectLst/>
+                          <a:latin typeface="ＭＳ ゴシック" panose="020B0609070205080204" pitchFamily="49" charset="-128"/>
+                          <a:ea typeface="ＭＳ ゴシック" panose="020B0609070205080204" pitchFamily="49" charset="-128"/>
+                        </a:rPr>
+                        <a:t> </a:t>
+                      </a:r>
+                      <a:r>
+                        <a:rPr kumimoji="1" lang="en-US" altLang="ja-JP" sz="2000" b="0" dirty="0">
+                          <a:effectLst/>
+                          <a:latin typeface="ＭＳ ゴシック" panose="020B0609070205080204" pitchFamily="49" charset="-128"/>
+                          <a:ea typeface="ＭＳ ゴシック" panose="020B0609070205080204" pitchFamily="49" charset="-128"/>
+                        </a:rPr>
+                        <a:t>* </a:t>
+                      </a:r>
+                      <a:r>
+                        <a:rPr kumimoji="1" lang="ja-JP" altLang="en-US" sz="2000" b="0" dirty="0">
+                          <a:effectLst/>
+                          <a:latin typeface="ＭＳ ゴシック" panose="020B0609070205080204" pitchFamily="49" charset="-128"/>
+                          <a:ea typeface="ＭＳ ゴシック" panose="020B0609070205080204" pitchFamily="49" charset="-128"/>
+                        </a:rPr>
+                        <a:t>画像パス</a:t>
+                      </a:r>
+                      <a:endParaRPr kumimoji="1" lang="en-US" altLang="ja-JP" sz="2000" b="0" dirty="0">
+                        <a:latin typeface="ＭＳ ゴシック" pitchFamily="49" charset="-128"/>
+                        <a:ea typeface="ＭＳ ゴシック" pitchFamily="49" charset="-128"/>
+                      </a:endParaRPr>
+                    </a:p>
+                  </a:txBody>
+                  <a:tcPr>
+                    <a:lnL w="12700" cap="flat" cmpd="sng" algn="ctr">
+                      <a:solidFill>
+                        <a:schemeClr val="tx1"/>
+                      </a:solidFill>
+                      <a:prstDash val="solid"/>
+                      <a:round/>
+                      <a:headEnd type="none" w="med" len="med"/>
+                      <a:tailEnd type="none" w="med" len="med"/>
+                    </a:lnL>
+                    <a:lnR w="12700" cap="flat" cmpd="sng" algn="ctr">
+                      <a:solidFill>
+                        <a:schemeClr val="tx1"/>
+                      </a:solidFill>
+                      <a:prstDash val="solid"/>
+                      <a:round/>
+                      <a:headEnd type="none" w="med" len="med"/>
+                      <a:tailEnd type="none" w="med" len="med"/>
+                    </a:lnR>
+                    <a:lnT w="12700" cap="flat" cmpd="sng" algn="ctr">
+                      <a:solidFill>
+                        <a:schemeClr val="tx1"/>
+                      </a:solidFill>
+                      <a:prstDash val="solid"/>
+                      <a:round/>
+                      <a:headEnd type="none" w="med" len="med"/>
+                      <a:tailEnd type="none" w="med" len="med"/>
+                    </a:lnT>
+                    <a:lnB w="12700" cap="flat" cmpd="sng" algn="ctr">
+                      <a:solidFill>
+                        <a:schemeClr val="tx1"/>
+                      </a:solidFill>
+                      <a:prstDash val="solid"/>
+                      <a:round/>
+                      <a:headEnd type="none" w="med" len="med"/>
+                      <a:tailEnd type="none" w="med" len="med"/>
+                    </a:lnB>
+                    <a:solidFill>
+                      <a:schemeClr val="bg1"/>
+                    </a:solidFill>
+                  </a:tcPr>
+                </a:tc>
+                <a:extLst>
+                  <a:ext uri="{0D108BD9-81ED-4DB2-BD59-A6C34878D82A}">
+                    <a16:rowId xmlns:a16="http://schemas.microsoft.com/office/drawing/2014/main" val="10001"/>
+                  </a:ext>
+                </a:extLst>
+              </a:tr>
+            </a:tbl>
+          </a:graphicData>
+        </a:graphic>
+      </p:graphicFrame>
+      <p:graphicFrame>
+        <p:nvGraphicFramePr>
+          <p:cNvPr id="20" name="表 19">
+            <a:extLst>
+              <a:ext uri="{FF2B5EF4-FFF2-40B4-BE49-F238E27FC236}">
+                <a16:creationId xmlns:a16="http://schemas.microsoft.com/office/drawing/2014/main" id="{0EC3E8B5-5412-38B1-5838-6D80B929C92C}"/>
+              </a:ext>
+            </a:extLst>
+          </p:cNvPr>
+          <p:cNvGraphicFramePr>
+            <a:graphicFrameLocks noGrp="1"/>
+          </p:cNvGraphicFramePr>
+          <p:nvPr>
+            <p:extLst>
+              <p:ext uri="{D42A27DB-BD31-4B8C-83A1-F6EECF244321}">
+                <p14:modId xmlns:p14="http://schemas.microsoft.com/office/powerpoint/2010/main" val="1981932759"/>
+              </p:ext>
+            </p:extLst>
+          </p:nvPr>
+        </p:nvGraphicFramePr>
+        <p:xfrm>
+          <a:off x="4142141" y="1368844"/>
+          <a:ext cx="2664394" cy="1402080"/>
+        </p:xfrm>
+        <a:graphic>
+          <a:graphicData uri="http://schemas.openxmlformats.org/drawingml/2006/table">
+            <a:tbl>
+              <a:tblPr firstRow="1" bandRow="1">
+                <a:tableStyleId>{5C22544A-7EE6-4342-B048-85BDC9FD1C3A}</a:tableStyleId>
+              </a:tblPr>
+              <a:tblGrid>
+                <a:gridCol w="2664394">
+                  <a:extLst>
+                    <a:ext uri="{9D8B030D-6E8A-4147-A177-3AD203B41FA5}">
+                      <a16:colId xmlns:a16="http://schemas.microsoft.com/office/drawing/2014/main" val="20000"/>
+                    </a:ext>
+                  </a:extLst>
+                </a:gridCol>
+              </a:tblGrid>
+              <a:tr h="0">
+                <a:tc>
+                  <a:txBody>
+                    <a:bodyPr/>
+                    <a:lstStyle/>
+                    <a:p>
+                      <a:pPr algn="ctr"/>
+                      <a:r>
+                        <a:rPr kumimoji="1" lang="ja-JP" altLang="en-US" sz="2000" b="0" dirty="0">
+                          <a:solidFill>
+                            <a:schemeClr val="tx1"/>
+                          </a:solidFill>
+                          <a:latin typeface="ＭＳ ゴシック" panose="020B0609070205080204" pitchFamily="49" charset="-128"/>
+                          <a:ea typeface="ＭＳ ゴシック" panose="020B0609070205080204" pitchFamily="49" charset="-128"/>
+                        </a:rPr>
+                        <a:t>プロフテキスト</a:t>
+                      </a:r>
+                      <a:endParaRPr kumimoji="1" lang="en-US" altLang="ja-JP" sz="2000" b="0" dirty="0">
+                        <a:solidFill>
+                          <a:schemeClr val="tx1"/>
+                        </a:solidFill>
+                        <a:latin typeface="ＭＳ ゴシック" panose="020B0609070205080204" pitchFamily="49" charset="-128"/>
+                        <a:ea typeface="ＭＳ ゴシック" panose="020B0609070205080204" pitchFamily="49" charset="-128"/>
+                      </a:endParaRPr>
+                    </a:p>
+                  </a:txBody>
+                  <a:tcPr>
+                    <a:lnL w="12700" cap="flat" cmpd="sng" algn="ctr">
+                      <a:solidFill>
+                        <a:schemeClr val="tx1"/>
+                      </a:solidFill>
+                      <a:prstDash val="solid"/>
+                      <a:round/>
+                      <a:headEnd type="none" w="med" len="med"/>
+                      <a:tailEnd type="none" w="med" len="med"/>
+                    </a:lnL>
+                    <a:lnR w="12700" cap="flat" cmpd="sng" algn="ctr">
+                      <a:solidFill>
+                        <a:schemeClr val="tx1"/>
+                      </a:solidFill>
+                      <a:prstDash val="solid"/>
+                      <a:round/>
+                      <a:headEnd type="none" w="med" len="med"/>
+                      <a:tailEnd type="none" w="med" len="med"/>
+                    </a:lnR>
+                    <a:lnT w="12700" cap="flat" cmpd="sng" algn="ctr">
+                      <a:solidFill>
+                        <a:schemeClr val="tx1"/>
+                      </a:solidFill>
+                      <a:prstDash val="solid"/>
+                      <a:round/>
+                      <a:headEnd type="none" w="med" len="med"/>
+                      <a:tailEnd type="none" w="med" len="med"/>
+                    </a:lnT>
+                    <a:lnB w="12700" cap="flat" cmpd="sng" algn="ctr">
+                      <a:solidFill>
+                        <a:schemeClr val="tx1"/>
+                      </a:solidFill>
+                      <a:prstDash val="solid"/>
+                      <a:round/>
+                      <a:headEnd type="none" w="med" len="med"/>
+                      <a:tailEnd type="none" w="med" len="med"/>
+                    </a:lnB>
+                    <a:solidFill>
+                      <a:schemeClr val="accent5">
+                        <a:lumMod val="40000"/>
+                        <a:lumOff val="60000"/>
+                      </a:schemeClr>
+                    </a:solidFill>
+                  </a:tcPr>
+                </a:tc>
+                <a:extLst>
+                  <a:ext uri="{0D108BD9-81ED-4DB2-BD59-A6C34878D82A}">
+                    <a16:rowId xmlns:a16="http://schemas.microsoft.com/office/drawing/2014/main" val="10000"/>
+                  </a:ext>
+                </a:extLst>
+              </a:tr>
+              <a:tr h="637805">
+                <a:tc>
+                  <a:txBody>
+                    <a:bodyPr/>
+                    <a:lstStyle/>
+                    <a:p>
+                      <a:r>
+                        <a:rPr lang="en-US" altLang="ja-JP" sz="2000" dirty="0">
+                          <a:effectLst/>
+                          <a:latin typeface="ＭＳ ゴシック" panose="020B0609070205080204" pitchFamily="49" charset="-128"/>
+                          <a:ea typeface="ＭＳ ゴシック" panose="020B0609070205080204" pitchFamily="49" charset="-128"/>
+                        </a:rPr>
+                        <a:t>#*</a:t>
+                      </a:r>
+                      <a:r>
+                        <a:rPr lang="ja-JP" altLang="en-US" sz="2000" dirty="0">
+                          <a:effectLst/>
+                          <a:latin typeface="ＭＳ ゴシック" panose="020B0609070205080204" pitchFamily="49" charset="-128"/>
+                          <a:ea typeface="ＭＳ ゴシック" panose="020B0609070205080204" pitchFamily="49" charset="-128"/>
+                        </a:rPr>
+                        <a:t> テキスト</a:t>
+                      </a:r>
+                      <a:r>
+                        <a:rPr lang="en-US" altLang="ja-JP" sz="2000" dirty="0">
+                          <a:effectLst/>
+                          <a:latin typeface="ＭＳ ゴシック" panose="020B0609070205080204" pitchFamily="49" charset="-128"/>
+                          <a:ea typeface="ＭＳ ゴシック" panose="020B0609070205080204" pitchFamily="49" charset="-128"/>
+                        </a:rPr>
+                        <a:t>ID(PK)</a:t>
+                      </a:r>
+                      <a:br>
+                        <a:rPr lang="ja-JP" altLang="en-US" sz="2000" dirty="0">
+                          <a:effectLst/>
+                          <a:latin typeface="ＭＳ ゴシック" panose="020B0609070205080204" pitchFamily="49" charset="-128"/>
+                          <a:ea typeface="ＭＳ ゴシック" panose="020B0609070205080204" pitchFamily="49" charset="-128"/>
+                        </a:rPr>
+                      </a:br>
+                      <a:r>
+                        <a:rPr lang="ja-JP" altLang="en-US" sz="2000" dirty="0">
+                          <a:effectLst/>
+                          <a:latin typeface="ＭＳ ゴシック" panose="020B0609070205080204" pitchFamily="49" charset="-128"/>
+                          <a:ea typeface="ＭＳ ゴシック" panose="020B0609070205080204" pitchFamily="49" charset="-128"/>
+                        </a:rPr>
+                        <a:t> </a:t>
+                      </a:r>
+                      <a:r>
+                        <a:rPr lang="en-US" altLang="ja-JP" sz="2000" dirty="0">
+                          <a:effectLst/>
+                          <a:latin typeface="ＭＳ ゴシック" panose="020B0609070205080204" pitchFamily="49" charset="-128"/>
+                          <a:ea typeface="ＭＳ ゴシック" panose="020B0609070205080204" pitchFamily="49" charset="-128"/>
+                        </a:rPr>
+                        <a:t>o</a:t>
+                      </a:r>
+                      <a:r>
+                        <a:rPr lang="ja-JP" altLang="en-US" sz="2000" dirty="0">
+                          <a:effectLst/>
+                          <a:latin typeface="ＭＳ ゴシック" panose="020B0609070205080204" pitchFamily="49" charset="-128"/>
+                          <a:ea typeface="ＭＳ ゴシック" panose="020B0609070205080204" pitchFamily="49" charset="-128"/>
+                        </a:rPr>
+                        <a:t> 表示順序</a:t>
+                      </a:r>
+                      <a:endParaRPr lang="en-US" altLang="ja-JP" sz="2000" dirty="0">
+                        <a:effectLst/>
+                        <a:latin typeface="ＭＳ ゴシック" panose="020B0609070205080204" pitchFamily="49" charset="-128"/>
+                        <a:ea typeface="ＭＳ ゴシック" panose="020B0609070205080204" pitchFamily="49" charset="-128"/>
+                      </a:endParaRPr>
+                    </a:p>
+                    <a:p>
+                      <a:r>
+                        <a:rPr kumimoji="1" lang="ja-JP" altLang="en-US" sz="2000" b="0" dirty="0">
+                          <a:effectLst/>
+                          <a:latin typeface="ＭＳ ゴシック" panose="020B0609070205080204" pitchFamily="49" charset="-128"/>
+                          <a:ea typeface="ＭＳ ゴシック" panose="020B0609070205080204" pitchFamily="49" charset="-128"/>
+                        </a:rPr>
+                        <a:t> </a:t>
+                      </a:r>
+                      <a:r>
+                        <a:rPr kumimoji="1" lang="en-US" altLang="ja-JP" sz="2000" b="0" dirty="0">
+                          <a:effectLst/>
+                          <a:latin typeface="ＭＳ ゴシック" panose="020B0609070205080204" pitchFamily="49" charset="-128"/>
+                          <a:ea typeface="ＭＳ ゴシック" panose="020B0609070205080204" pitchFamily="49" charset="-128"/>
+                        </a:rPr>
+                        <a:t>* </a:t>
+                      </a:r>
+                      <a:r>
+                        <a:rPr kumimoji="1" lang="ja-JP" altLang="en-US" sz="2000" b="0" dirty="0">
+                          <a:effectLst/>
+                          <a:latin typeface="ＭＳ ゴシック" panose="020B0609070205080204" pitchFamily="49" charset="-128"/>
+                          <a:ea typeface="ＭＳ ゴシック" panose="020B0609070205080204" pitchFamily="49" charset="-128"/>
+                        </a:rPr>
+                        <a:t>投稿テキスト</a:t>
+                      </a:r>
+                      <a:endParaRPr kumimoji="1" lang="en-US" altLang="ja-JP" sz="2000" b="0" dirty="0">
+                        <a:latin typeface="ＭＳ ゴシック" pitchFamily="49" charset="-128"/>
+                        <a:ea typeface="ＭＳ ゴシック" pitchFamily="49" charset="-128"/>
+                      </a:endParaRPr>
+                    </a:p>
+                  </a:txBody>
+                  <a:tcPr>
+                    <a:lnL w="12700" cap="flat" cmpd="sng" algn="ctr">
+                      <a:solidFill>
+                        <a:schemeClr val="tx1"/>
+                      </a:solidFill>
+                      <a:prstDash val="solid"/>
+                      <a:round/>
+                      <a:headEnd type="none" w="med" len="med"/>
+                      <a:tailEnd type="none" w="med" len="med"/>
+                    </a:lnL>
+                    <a:lnR w="12700" cap="flat" cmpd="sng" algn="ctr">
+                      <a:solidFill>
+                        <a:schemeClr val="tx1"/>
+                      </a:solidFill>
+                      <a:prstDash val="solid"/>
+                      <a:round/>
+                      <a:headEnd type="none" w="med" len="med"/>
+                      <a:tailEnd type="none" w="med" len="med"/>
+                    </a:lnR>
+                    <a:lnT w="12700" cap="flat" cmpd="sng" algn="ctr">
+                      <a:solidFill>
+                        <a:schemeClr val="tx1"/>
+                      </a:solidFill>
+                      <a:prstDash val="solid"/>
+                      <a:round/>
+                      <a:headEnd type="none" w="med" len="med"/>
+                      <a:tailEnd type="none" w="med" len="med"/>
+                    </a:lnT>
+                    <a:lnB w="12700" cap="flat" cmpd="sng" algn="ctr">
+                      <a:solidFill>
+                        <a:schemeClr val="tx1"/>
+                      </a:solidFill>
+                      <a:prstDash val="solid"/>
+                      <a:round/>
+                      <a:headEnd type="none" w="med" len="med"/>
+                      <a:tailEnd type="none" w="med" len="med"/>
+                    </a:lnB>
+                    <a:solidFill>
+                      <a:schemeClr val="bg1"/>
+                    </a:solidFill>
+                  </a:tcPr>
+                </a:tc>
+                <a:extLst>
+                  <a:ext uri="{0D108BD9-81ED-4DB2-BD59-A6C34878D82A}">
+                    <a16:rowId xmlns:a16="http://schemas.microsoft.com/office/drawing/2014/main" val="10001"/>
+                  </a:ext>
+                </a:extLst>
+              </a:tr>
+            </a:tbl>
+          </a:graphicData>
+        </a:graphic>
+      </p:graphicFrame>
       <p:cxnSp>
         <p:nvCxnSpPr>
-          <p:cNvPr id="11" name="直線コネクタ 10">
+          <p:cNvPr id="21" name="直線コネクタ 20">
             <a:extLst>
               <a:ext uri="{FF2B5EF4-FFF2-40B4-BE49-F238E27FC236}">
-                <a16:creationId xmlns:a16="http://schemas.microsoft.com/office/drawing/2014/main" id="{A895A665-2941-5E19-C843-BBEFBE626A6A}"/>
+                <a16:creationId xmlns:a16="http://schemas.microsoft.com/office/drawing/2014/main" id="{FE2E5E06-E664-AACA-0598-D1E252D504D4}"/>
               </a:ext>
             </a:extLst>
           </p:cNvPr>
           <p:cNvCxnSpPr>
             <a:cxnSpLocks/>
+            <a:stCxn id="6" idx="0"/>
+            <a:endCxn id="20" idx="2"/>
           </p:cNvCxnSpPr>
           <p:nvPr/>
         </p:nvCxnSpPr>
         <p:spPr>
-          <a:xfrm flipH="1">
-            <a:off x="1130866" y="7064825"/>
-            <a:ext cx="1894" cy="3727434"/>
+          <a:xfrm flipV="1">
+            <a:off x="1657921" y="2770924"/>
+            <a:ext cx="3816417" cy="1865662"/>
           </a:xfrm>
           <a:prstGeom prst="line">
             <a:avLst/>
@@ -5817,23 +6272,24 @@
       </p:cxnSp>
       <p:cxnSp>
         <p:nvCxnSpPr>
-          <p:cNvPr id="12" name="直線コネクタ 11">
+          <p:cNvPr id="22" name="直線コネクタ 21">
             <a:extLst>
               <a:ext uri="{FF2B5EF4-FFF2-40B4-BE49-F238E27FC236}">
-                <a16:creationId xmlns:a16="http://schemas.microsoft.com/office/drawing/2014/main" id="{4232AB08-B4BC-4057-9CF5-CD917819DA20}"/>
+                <a16:creationId xmlns:a16="http://schemas.microsoft.com/office/drawing/2014/main" id="{38A5DD37-3F18-F00D-8967-360703C54D7E}"/>
               </a:ext>
             </a:extLst>
           </p:cNvPr>
           <p:cNvCxnSpPr>
             <a:cxnSpLocks/>
-            <a:stCxn id="5" idx="1"/>
+            <a:stCxn id="17" idx="2"/>
+            <a:endCxn id="6" idx="0"/>
           </p:cNvCxnSpPr>
           <p:nvPr/>
         </p:nvCxnSpPr>
         <p:spPr>
           <a:xfrm flipH="1">
-            <a:off x="1130866" y="10792259"/>
-            <a:ext cx="6722619" cy="0"/>
+            <a:off x="1657921" y="2770924"/>
+            <a:ext cx="4973" cy="1865662"/>
           </a:xfrm>
           <a:prstGeom prst="line">
             <a:avLst/>
@@ -5857,10 +6313,10 @@
       </p:cxnSp>
       <p:graphicFrame>
         <p:nvGraphicFramePr>
-          <p:cNvPr id="17" name="表 16">
+          <p:cNvPr id="30" name="表 29">
             <a:extLst>
               <a:ext uri="{FF2B5EF4-FFF2-40B4-BE49-F238E27FC236}">
-                <a16:creationId xmlns:a16="http://schemas.microsoft.com/office/drawing/2014/main" id="{09434577-F978-2BB3-986C-E30E62E63ACD}"/>
+                <a16:creationId xmlns:a16="http://schemas.microsoft.com/office/drawing/2014/main" id="{37F80985-4F30-E39E-15A5-BE977C78E2A3}"/>
               </a:ext>
             </a:extLst>
           </p:cNvPr>
@@ -5870,13 +6326,13 @@
           <p:nvPr>
             <p:extLst>
               <p:ext uri="{D42A27DB-BD31-4B8C-83A1-F6EECF244321}">
-                <p14:modId xmlns:p14="http://schemas.microsoft.com/office/powerpoint/2010/main" val="2993177907"/>
+                <p14:modId xmlns:p14="http://schemas.microsoft.com/office/powerpoint/2010/main" val="3869494650"/>
               </p:ext>
             </p:extLst>
           </p:nvPr>
         </p:nvGraphicFramePr>
         <p:xfrm>
-          <a:off x="4298329" y="8384339"/>
+          <a:off x="819225" y="6464181"/>
           <a:ext cx="2660606" cy="1706880"/>
         </p:xfrm>
         <a:graphic>
@@ -5894,23 +6350,13 @@
                   </a:extLst>
                 </a:gridCol>
               </a:tblGrid>
-              <a:tr h="0">
+              <a:tr h="158285">
                 <a:tc>
                   <a:txBody>
                     <a:bodyPr/>
                     <a:lstStyle/>
                     <a:p>
                       <a:pPr algn="ctr"/>
-                      <a:r>
-                        <a:rPr kumimoji="1" lang="ja-JP" altLang="en-US" sz="2000" b="0" dirty="0">
-                          <a:solidFill>
-                            <a:schemeClr val="tx1"/>
-                          </a:solidFill>
-                          <a:latin typeface="ＭＳ ゴシック" panose="020B0609070205080204" pitchFamily="49" charset="-128"/>
-                          <a:ea typeface="ＭＳ ゴシック" panose="020B0609070205080204" pitchFamily="49" charset="-128"/>
-                        </a:rPr>
-                        <a:t>画像</a:t>
-                      </a:r>
                       <a:endParaRPr kumimoji="1" lang="en-US" altLang="ja-JP" sz="2000" b="0" dirty="0">
                         <a:solidFill>
                           <a:schemeClr val="tx1"/>
@@ -5971,131 +6417,58 @@
                   </a:ext>
                 </a:extLst>
               </a:tr>
-              <a:tr h="637805">
+              <a:tr h="401802">
                 <a:tc>
                   <a:txBody>
                     <a:bodyPr/>
                     <a:lstStyle/>
                     <a:p>
                       <a:r>
-                        <a:rPr lang="en-US" altLang="ja-JP" sz="2000" dirty="0">
-                          <a:effectLst/>
-                          <a:latin typeface="ＭＳ ゴシック" panose="020B0609070205080204" pitchFamily="49" charset="-128"/>
-                          <a:ea typeface="ＭＳ ゴシック" panose="020B0609070205080204" pitchFamily="49" charset="-128"/>
-                        </a:rPr>
-                        <a:t>#*</a:t>
-                      </a:r>
-                      <a:r>
-                        <a:rPr lang="ja-JP" altLang="en-US" sz="2000" dirty="0">
-                          <a:effectLst/>
-                          <a:latin typeface="ＭＳ ゴシック" panose="020B0609070205080204" pitchFamily="49" charset="-128"/>
-                          <a:ea typeface="ＭＳ ゴシック" panose="020B0609070205080204" pitchFamily="49" charset="-128"/>
-                        </a:rPr>
-                        <a:t> 画像</a:t>
-                      </a:r>
-                      <a:r>
-                        <a:rPr lang="en-US" altLang="ja-JP" sz="2000" dirty="0">
-                          <a:effectLst/>
-                          <a:latin typeface="ＭＳ ゴシック" panose="020B0609070205080204" pitchFamily="49" charset="-128"/>
-                          <a:ea typeface="ＭＳ ゴシック" panose="020B0609070205080204" pitchFamily="49" charset="-128"/>
-                        </a:rPr>
-                        <a:t>ID(PK)</a:t>
-                      </a:r>
-                    </a:p>
-                    <a:p>
-                      <a:r>
-                        <a:rPr lang="ja-JP" altLang="en-US" sz="2000" dirty="0">
-                          <a:effectLst/>
-                          <a:latin typeface="ＭＳ ゴシック" panose="020B0609070205080204" pitchFamily="49" charset="-128"/>
-                          <a:ea typeface="ＭＳ ゴシック" panose="020B0609070205080204" pitchFamily="49" charset="-128"/>
-                        </a:rPr>
-                        <a:t> </a:t>
-                      </a:r>
-                      <a:r>
-                        <a:rPr lang="en-US" altLang="ja-JP" sz="2000" dirty="0">
-                          <a:effectLst/>
-                          <a:latin typeface="ＭＳ ゴシック" panose="020B0609070205080204" pitchFamily="49" charset="-128"/>
-                          <a:ea typeface="ＭＳ ゴシック" panose="020B0609070205080204" pitchFamily="49" charset="-128"/>
-                        </a:rPr>
-                        <a:t>*</a:t>
-                      </a:r>
-                      <a:r>
-                        <a:rPr lang="ja-JP" altLang="en-US" sz="2000" dirty="0">
-                          <a:effectLst/>
-                          <a:latin typeface="ＭＳ ゴシック" panose="020B0609070205080204" pitchFamily="49" charset="-128"/>
-                          <a:ea typeface="ＭＳ ゴシック" panose="020B0609070205080204" pitchFamily="49" charset="-128"/>
-                        </a:rPr>
-                        <a:t> 投稿</a:t>
-                      </a:r>
-                      <a:r>
-                        <a:rPr lang="en-US" altLang="ja-JP" sz="2000" dirty="0">
-                          <a:effectLst/>
-                          <a:latin typeface="ＭＳ ゴシック" panose="020B0609070205080204" pitchFamily="49" charset="-128"/>
-                          <a:ea typeface="ＭＳ ゴシック" panose="020B0609070205080204" pitchFamily="49" charset="-128"/>
-                        </a:rPr>
-                        <a:t>ID(FK)</a:t>
-                      </a:r>
-                      <a:br>
-                        <a:rPr lang="ja-JP" altLang="en-US" sz="2000" dirty="0">
-                          <a:effectLst/>
-                          <a:latin typeface="ＭＳ ゴシック" panose="020B0609070205080204" pitchFamily="49" charset="-128"/>
-                          <a:ea typeface="ＭＳ ゴシック" panose="020B0609070205080204" pitchFamily="49" charset="-128"/>
-                        </a:rPr>
-                      </a:br>
-                      <a:r>
-                        <a:rPr lang="ja-JP" altLang="en-US" sz="2000" dirty="0">
-                          <a:effectLst/>
-                          <a:latin typeface="ＭＳ ゴシック" panose="020B0609070205080204" pitchFamily="49" charset="-128"/>
-                          <a:ea typeface="ＭＳ ゴシック" panose="020B0609070205080204" pitchFamily="49" charset="-128"/>
-                        </a:rPr>
-                        <a:t> </a:t>
-                      </a:r>
-                      <a:r>
-                        <a:rPr lang="en-US" altLang="ja-JP" sz="2000" dirty="0">
-                          <a:effectLst/>
-                          <a:latin typeface="ＭＳ ゴシック" panose="020B0609070205080204" pitchFamily="49" charset="-128"/>
-                          <a:ea typeface="ＭＳ ゴシック" panose="020B0609070205080204" pitchFamily="49" charset="-128"/>
-                        </a:rPr>
-                        <a:t>*</a:t>
-                      </a:r>
-                      <a:r>
-                        <a:rPr lang="ja-JP" altLang="en-US" sz="2000" dirty="0">
-                          <a:effectLst/>
-                          <a:latin typeface="ＭＳ ゴシック" panose="020B0609070205080204" pitchFamily="49" charset="-128"/>
-                          <a:ea typeface="ＭＳ ゴシック" panose="020B0609070205080204" pitchFamily="49" charset="-128"/>
-                        </a:rPr>
-                        <a:t> 表示順序</a:t>
-                      </a:r>
-                      <a:endParaRPr lang="en-US" altLang="ja-JP" sz="2000" dirty="0">
-                        <a:effectLst/>
-                        <a:latin typeface="ＭＳ ゴシック" panose="020B0609070205080204" pitchFamily="49" charset="-128"/>
-                        <a:ea typeface="ＭＳ ゴシック" panose="020B0609070205080204" pitchFamily="49" charset="-128"/>
+                        <a:rPr kumimoji="1" lang="ja-JP" altLang="en-US" sz="2000" b="0" dirty="0">
+                          <a:latin typeface="ＭＳ ゴシック" pitchFamily="49" charset="-128"/>
+                          <a:ea typeface="ＭＳ ゴシック" pitchFamily="49" charset="-128"/>
+                        </a:rPr>
+                        <a:t>ユーザ</a:t>
+                      </a:r>
+                      <a:r>
+                        <a:rPr kumimoji="1" lang="en-US" altLang="ja-JP" sz="2000" b="0" dirty="0">
+                          <a:latin typeface="ＭＳ ゴシック" pitchFamily="49" charset="-128"/>
+                          <a:ea typeface="ＭＳ ゴシック" pitchFamily="49" charset="-128"/>
+                        </a:rPr>
+                        <a:t>ID</a:t>
+                      </a:r>
+                      <a:r>
+                        <a:rPr kumimoji="1" lang="ja-JP" altLang="en-US" sz="2000" b="0" dirty="0">
+                          <a:latin typeface="ＭＳ ゴシック" pitchFamily="49" charset="-128"/>
+                          <a:ea typeface="ＭＳ ゴシック" pitchFamily="49" charset="-128"/>
+                        </a:rPr>
+                        <a:t>要らない</a:t>
+                      </a:r>
+                      <a:endParaRPr kumimoji="1" lang="en-US" altLang="ja-JP" sz="2000" b="0" dirty="0">
+                        <a:latin typeface="ＭＳ ゴシック" pitchFamily="49" charset="-128"/>
+                        <a:ea typeface="ＭＳ ゴシック" pitchFamily="49" charset="-128"/>
                       </a:endParaRPr>
                     </a:p>
                     <a:p>
                       <a:r>
                         <a:rPr kumimoji="1" lang="ja-JP" altLang="en-US" sz="2000" b="0" dirty="0">
-                          <a:effectLst/>
-                          <a:latin typeface="ＭＳ ゴシック" panose="020B0609070205080204" pitchFamily="49" charset="-128"/>
-                          <a:ea typeface="ＭＳ ゴシック" panose="020B0609070205080204" pitchFamily="49" charset="-128"/>
-                        </a:rPr>
-                        <a:t> </a:t>
-                      </a:r>
-                      <a:r>
-                        <a:rPr kumimoji="1" lang="en-US" altLang="ja-JP" sz="2000" b="0" dirty="0">
-                          <a:effectLst/>
-                          <a:latin typeface="ＭＳ ゴシック" panose="020B0609070205080204" pitchFamily="49" charset="-128"/>
-                          <a:ea typeface="ＭＳ ゴシック" panose="020B0609070205080204" pitchFamily="49" charset="-128"/>
-                        </a:rPr>
-                        <a:t>* </a:t>
-                      </a:r>
+                          <a:latin typeface="ＭＳ ゴシック" pitchFamily="49" charset="-128"/>
+                          <a:ea typeface="ＭＳ ゴシック" pitchFamily="49" charset="-128"/>
+                        </a:rPr>
+                        <a:t>メールアドレスに。</a:t>
+                      </a:r>
+                      <a:endParaRPr kumimoji="1" lang="en-US" altLang="ja-JP" sz="2000" b="0" dirty="0">
+                        <a:latin typeface="ＭＳ ゴシック" pitchFamily="49" charset="-128"/>
+                        <a:ea typeface="ＭＳ ゴシック" pitchFamily="49" charset="-128"/>
+                      </a:endParaRPr>
+                    </a:p>
+                    <a:p>
                       <a:r>
                         <a:rPr kumimoji="1" lang="ja-JP" altLang="en-US" sz="2000" b="0" dirty="0">
-                          <a:effectLst/>
-                          <a:latin typeface="ＭＳ ゴシック" panose="020B0609070205080204" pitchFamily="49" charset="-128"/>
-                          <a:ea typeface="ＭＳ ゴシック" panose="020B0609070205080204" pitchFamily="49" charset="-128"/>
-                        </a:rPr>
-                        <a:t>画像パス</a:t>
+                          <a:latin typeface="ＭＳ ゴシック" pitchFamily="49" charset="-128"/>
+                          <a:ea typeface="ＭＳ ゴシック" pitchFamily="49" charset="-128"/>
+                        </a:rPr>
+                        <a:t>メールアドレス重複防止</a:t>
                       </a:r>
                       <a:endParaRPr kumimoji="1" lang="en-US" altLang="ja-JP" sz="2000" b="0" dirty="0">
                         <a:latin typeface="ＭＳ ゴシック" pitchFamily="49" charset="-128"/>

--- a/設計/データベース/概念データモデル.pptx
+++ b/設計/データベース/概念データモデル.pptx
@@ -6326,13 +6326,13 @@
           <p:nvPr>
             <p:extLst>
               <p:ext uri="{D42A27DB-BD31-4B8C-83A1-F6EECF244321}">
-                <p14:modId xmlns:p14="http://schemas.microsoft.com/office/powerpoint/2010/main" val="3869494650"/>
+                <p14:modId xmlns:p14="http://schemas.microsoft.com/office/powerpoint/2010/main" val="105349331"/>
               </p:ext>
             </p:extLst>
           </p:nvPr>
         </p:nvGraphicFramePr>
         <p:xfrm>
-          <a:off x="819225" y="6464181"/>
+          <a:off x="878121" y="7783694"/>
           <a:ext cx="2660606" cy="1706880"/>
         </p:xfrm>
         <a:graphic>
@@ -6350,7 +6350,7 @@
                   </a:extLst>
                 </a:gridCol>
               </a:tblGrid>
-              <a:tr h="158285">
+              <a:tr h="185090">
                 <a:tc>
                   <a:txBody>
                     <a:bodyPr/>
